--- a/Presentation.pptx
+++ b/Presentation.pptx
@@ -1123,7 +1123,7 @@
       </dsp:nvSpPr>
       <dsp:spPr>
         <a:xfrm>
-          <a:off x="996050" y="226329"/>
+          <a:off x="996050" y="336078"/>
           <a:ext cx="1554187" cy="1554187"/>
         </a:xfrm>
         <a:prstGeom prst="rect">
@@ -1180,8 +1180,8 @@
       </dsp:nvSpPr>
       <dsp:spPr>
         <a:xfrm>
-          <a:off x="46269" y="2244827"/>
-          <a:ext cx="3453750" cy="1076717"/>
+          <a:off x="46269" y="2354611"/>
+          <a:ext cx="3453750" cy="1076639"/>
         </a:xfrm>
         <a:prstGeom prst="rect">
           <a:avLst/>
@@ -1229,8 +1229,8 @@
         </a:p>
       </dsp:txBody>
       <dsp:txXfrm>
-        <a:off x="46269" y="2244827"/>
-        <a:ext cx="3453750" cy="1076717"/>
+        <a:off x="46269" y="2354611"/>
+        <a:ext cx="3453750" cy="1076639"/>
       </dsp:txXfrm>
     </dsp:sp>
     <dsp:sp modelId="{888B6F46-F2F5-4779-875A-B8AEBE43E6AA}">
@@ -1240,7 +1240,7 @@
       </dsp:nvSpPr>
       <dsp:spPr>
         <a:xfrm>
-          <a:off x="5174760" y="194254"/>
+          <a:off x="5174760" y="304005"/>
           <a:ext cx="1554187" cy="1554187"/>
         </a:xfrm>
         <a:prstGeom prst="rect">
@@ -1297,8 +1297,8 @@
       </dsp:nvSpPr>
       <dsp:spPr>
         <a:xfrm>
-          <a:off x="4104425" y="2148600"/>
-          <a:ext cx="3694856" cy="1205019"/>
+          <a:off x="4104425" y="2258392"/>
+          <a:ext cx="3694856" cy="1204931"/>
         </a:xfrm>
         <a:prstGeom prst="rect">
           <a:avLst/>
@@ -1346,8 +1346,8 @@
         </a:p>
       </dsp:txBody>
       <dsp:txXfrm>
-        <a:off x="4104425" y="2148600"/>
-        <a:ext cx="3694856" cy="1205019"/>
+        <a:off x="4104425" y="2258392"/>
+        <a:ext cx="3694856" cy="1204931"/>
       </dsp:txXfrm>
     </dsp:sp>
   </dsp:spTree>
@@ -2672,7 +2672,7 @@
           <a:p>
             <a:fld id="{2DC5A369-CA0E-4FC6-90EE-5FA969A08EF8}" type="datetimeFigureOut">
               <a:rPr lang="en-US" smtClean="0"/>
-              <a:t>5/31/2024</a:t>
+              <a:t>6/1/2024</a:t>
             </a:fld>
             <a:endParaRPr lang="en-US" dirty="0"/>
           </a:p>
@@ -2849,7 +2849,7 @@
           <a:p>
             <a:fld id="{334AB06A-EEDC-421C-B5A0-5E9E5241A8E5}" type="datetimeFigureOut">
               <a:rPr lang="en-US" smtClean="0"/>
-              <a:t>5/31/2024</a:t>
+              <a:t>6/1/2024</a:t>
             </a:fld>
             <a:endParaRPr lang="en-US" dirty="0"/>
           </a:p>
@@ -18559,401 +18559,8 @@
         </p:nvSpPr>
         <p:spPr>
           <a:xfrm>
-            <a:off x="225552" y="1624265"/>
-            <a:ext cx="7845552" cy="3551238"/>
-          </a:xfrm>
-          <a:prstGeom prst="rect">
-            <a:avLst/>
-          </a:prstGeom>
-        </p:spPr>
-        <p:txBody>
-          <a:bodyPr>
-            <a:normAutofit fontScale="92500" lnSpcReduction="10000"/>
-          </a:bodyPr>
-          <a:lstStyle>
-            <a:lvl1pPr marL="228600" indent="-228600" algn="l" defTabSz="914400" rtl="0" eaLnBrk="1" latinLnBrk="0" hangingPunct="1">
-              <a:lnSpc>
-                <a:spcPct val="120000"/>
-              </a:lnSpc>
-              <a:spcBef>
-                <a:spcPts val="1000"/>
-              </a:spcBef>
-              <a:buClr>
-                <a:schemeClr val="accent5"/>
-              </a:buClr>
-              <a:buFont typeface="Arial" panose="020B0604020202020204" pitchFamily="34" charset="0"/>
-              <a:buChar char="•"/>
-              <a:defRPr sz="2000" kern="1200">
-                <a:solidFill>
-                  <a:schemeClr val="tx2"/>
-                </a:solidFill>
-                <a:latin typeface="+mn-lt"/>
-                <a:ea typeface="+mn-ea"/>
-                <a:cs typeface="+mn-cs"/>
-              </a:defRPr>
-            </a:lvl1pPr>
-            <a:lvl2pPr marL="685800" indent="-228600" algn="l" defTabSz="914400" rtl="0" eaLnBrk="1" latinLnBrk="0" hangingPunct="1">
-              <a:lnSpc>
-                <a:spcPct val="120000"/>
-              </a:lnSpc>
-              <a:spcBef>
-                <a:spcPts val="500"/>
-              </a:spcBef>
-              <a:buClr>
-                <a:schemeClr val="accent5"/>
-              </a:buClr>
-              <a:buFont typeface="Arial" panose="020B0604020202020204" pitchFamily="34" charset="0"/>
-              <a:buChar char="•"/>
-              <a:defRPr sz="1800" kern="1200">
-                <a:solidFill>
-                  <a:schemeClr val="tx2"/>
-                </a:solidFill>
-                <a:latin typeface="+mn-lt"/>
-                <a:ea typeface="+mn-ea"/>
-                <a:cs typeface="+mn-cs"/>
-              </a:defRPr>
-            </a:lvl2pPr>
-            <a:lvl3pPr marL="1143000" indent="-228600" algn="l" defTabSz="914400" rtl="0" eaLnBrk="1" latinLnBrk="0" hangingPunct="1">
-              <a:lnSpc>
-                <a:spcPct val="120000"/>
-              </a:lnSpc>
-              <a:spcBef>
-                <a:spcPts val="500"/>
-              </a:spcBef>
-              <a:buClr>
-                <a:schemeClr val="accent5"/>
-              </a:buClr>
-              <a:buFont typeface="Arial" panose="020B0604020202020204" pitchFamily="34" charset="0"/>
-              <a:buChar char="•"/>
-              <a:defRPr sz="1600" kern="1200">
-                <a:solidFill>
-                  <a:schemeClr val="tx2"/>
-                </a:solidFill>
-                <a:latin typeface="+mn-lt"/>
-                <a:ea typeface="+mn-ea"/>
-                <a:cs typeface="+mn-cs"/>
-              </a:defRPr>
-            </a:lvl3pPr>
-            <a:lvl4pPr marL="1600200" indent="-228600" algn="l" defTabSz="914400" rtl="0" eaLnBrk="1" latinLnBrk="0" hangingPunct="1">
-              <a:lnSpc>
-                <a:spcPct val="120000"/>
-              </a:lnSpc>
-              <a:spcBef>
-                <a:spcPts val="500"/>
-              </a:spcBef>
-              <a:buClr>
-                <a:schemeClr val="accent5"/>
-              </a:buClr>
-              <a:buFont typeface="Arial" panose="020B0604020202020204" pitchFamily="34" charset="0"/>
-              <a:buChar char="•"/>
-              <a:defRPr sz="1400" kern="1200">
-                <a:solidFill>
-                  <a:schemeClr val="tx2"/>
-                </a:solidFill>
-                <a:latin typeface="+mn-lt"/>
-                <a:ea typeface="+mn-ea"/>
-                <a:cs typeface="+mn-cs"/>
-              </a:defRPr>
-            </a:lvl4pPr>
-            <a:lvl5pPr marL="2057400" indent="-228600" algn="l" defTabSz="914400" rtl="0" eaLnBrk="1" latinLnBrk="0" hangingPunct="1">
-              <a:lnSpc>
-                <a:spcPct val="120000"/>
-              </a:lnSpc>
-              <a:spcBef>
-                <a:spcPts val="500"/>
-              </a:spcBef>
-              <a:buClr>
-                <a:schemeClr val="accent5"/>
-              </a:buClr>
-              <a:buFont typeface="Arial" panose="020B0604020202020204" pitchFamily="34" charset="0"/>
-              <a:buChar char="•"/>
-              <a:defRPr sz="1400" kern="1200">
-                <a:solidFill>
-                  <a:schemeClr val="tx2"/>
-                </a:solidFill>
-                <a:latin typeface="+mn-lt"/>
-                <a:ea typeface="+mn-ea"/>
-                <a:cs typeface="+mn-cs"/>
-              </a:defRPr>
-            </a:lvl5pPr>
-            <a:lvl6pPr marL="2514600" indent="-228600" algn="l" defTabSz="914400" rtl="0" eaLnBrk="1" latinLnBrk="0" hangingPunct="1">
-              <a:lnSpc>
-                <a:spcPct val="90000"/>
-              </a:lnSpc>
-              <a:spcBef>
-                <a:spcPts val="500"/>
-              </a:spcBef>
-              <a:buFont typeface="Arial" panose="020B0604020202020204" pitchFamily="34" charset="0"/>
-              <a:buChar char="•"/>
-              <a:defRPr sz="1800" kern="1200">
-                <a:solidFill>
-                  <a:schemeClr val="tx1"/>
-                </a:solidFill>
-                <a:latin typeface="+mn-lt"/>
-                <a:ea typeface="+mn-ea"/>
-                <a:cs typeface="+mn-cs"/>
-              </a:defRPr>
-            </a:lvl6pPr>
-            <a:lvl7pPr marL="2971800" indent="-228600" algn="l" defTabSz="914400" rtl="0" eaLnBrk="1" latinLnBrk="0" hangingPunct="1">
-              <a:lnSpc>
-                <a:spcPct val="90000"/>
-              </a:lnSpc>
-              <a:spcBef>
-                <a:spcPts val="500"/>
-              </a:spcBef>
-              <a:buFont typeface="Arial" panose="020B0604020202020204" pitchFamily="34" charset="0"/>
-              <a:buChar char="•"/>
-              <a:defRPr sz="1800" kern="1200">
-                <a:solidFill>
-                  <a:schemeClr val="tx1"/>
-                </a:solidFill>
-                <a:latin typeface="+mn-lt"/>
-                <a:ea typeface="+mn-ea"/>
-                <a:cs typeface="+mn-cs"/>
-              </a:defRPr>
-            </a:lvl7pPr>
-            <a:lvl8pPr marL="3429000" indent="-228600" algn="l" defTabSz="914400" rtl="0" eaLnBrk="1" latinLnBrk="0" hangingPunct="1">
-              <a:lnSpc>
-                <a:spcPct val="90000"/>
-              </a:lnSpc>
-              <a:spcBef>
-                <a:spcPts val="500"/>
-              </a:spcBef>
-              <a:buFont typeface="Arial" panose="020B0604020202020204" pitchFamily="34" charset="0"/>
-              <a:buChar char="•"/>
-              <a:defRPr sz="1800" kern="1200">
-                <a:solidFill>
-                  <a:schemeClr val="tx1"/>
-                </a:solidFill>
-                <a:latin typeface="+mn-lt"/>
-                <a:ea typeface="+mn-ea"/>
-                <a:cs typeface="+mn-cs"/>
-              </a:defRPr>
-            </a:lvl8pPr>
-            <a:lvl9pPr marL="3886200" indent="-228600" algn="l" defTabSz="914400" rtl="0" eaLnBrk="1" latinLnBrk="0" hangingPunct="1">
-              <a:lnSpc>
-                <a:spcPct val="90000"/>
-              </a:lnSpc>
-              <a:spcBef>
-                <a:spcPts val="500"/>
-              </a:spcBef>
-              <a:buFont typeface="Arial" panose="020B0604020202020204" pitchFamily="34" charset="0"/>
-              <a:buChar char="•"/>
-              <a:defRPr sz="1800" kern="1200">
-                <a:solidFill>
-                  <a:schemeClr val="tx1"/>
-                </a:solidFill>
-                <a:latin typeface="+mn-lt"/>
-                <a:ea typeface="+mn-ea"/>
-                <a:cs typeface="+mn-cs"/>
-              </a:defRPr>
-            </a:lvl9pPr>
-          </a:lstStyle>
-          <a:p>
-            <a:pPr marL="0" indent="0">
-              <a:buNone/>
-            </a:pPr>
-            <a:r>
-              <a:rPr lang="en-US" sz="2400" dirty="0">
-                <a:solidFill>
-                  <a:schemeClr val="bg1"/>
-                </a:solidFill>
-              </a:rPr>
-              <a:t>Focus on popular movie genres with a high rating – Invest in genres that are consistently performing well at the box office(Documentaries, Action, Drama, Adventure, Comedy,)</a:t>
-            </a:r>
-          </a:p>
-          <a:p>
-            <a:pPr marL="0" indent="0">
-              <a:buNone/>
-            </a:pPr>
-            <a:r>
-              <a:rPr lang="en-US" sz="2400" dirty="0">
-                <a:solidFill>
-                  <a:schemeClr val="bg1"/>
-                </a:solidFill>
-              </a:rPr>
-              <a:t>Benchmark on studios that have a high domestic gross and foreign gross(BV, P\DW, WB, Uni,)- possibly collaborate in new movies with them.</a:t>
-            </a:r>
-          </a:p>
-          <a:p>
-            <a:pPr marL="0" indent="0">
-              <a:buNone/>
-            </a:pPr>
-            <a:r>
-              <a:rPr lang="en-US" sz="2400" dirty="0">
-                <a:solidFill>
-                  <a:schemeClr val="bg1"/>
-                </a:solidFill>
-              </a:rPr>
-              <a:t>Adapt to Trends: Monitor and adapt to changing genre trends to stay relevant.</a:t>
-            </a:r>
-          </a:p>
-          <a:p>
-            <a:pPr marL="0" indent="0">
-              <a:buNone/>
-            </a:pPr>
-            <a:endParaRPr lang="en-US" sz="2400" dirty="0">
-              <a:solidFill>
-                <a:schemeClr val="bg1"/>
-              </a:solidFill>
-            </a:endParaRPr>
-          </a:p>
-          <a:p>
-            <a:pPr marL="0" indent="0">
-              <a:buNone/>
-            </a:pPr>
-            <a:endParaRPr lang="en-US" sz="2400" dirty="0">
-              <a:solidFill>
-                <a:schemeClr val="bg1"/>
-              </a:solidFill>
-            </a:endParaRPr>
-          </a:p>
-          <a:p>
-            <a:pPr marL="0" indent="0">
-              <a:buNone/>
-            </a:pPr>
-            <a:endParaRPr lang="en-US" sz="2400" dirty="0">
-              <a:solidFill>
-                <a:schemeClr val="bg1"/>
-              </a:solidFill>
-            </a:endParaRPr>
-          </a:p>
-        </p:txBody>
-      </p:sp>
-    </p:spTree>
-    <p:extLst>
-      <p:ext uri="{BB962C8B-B14F-4D97-AF65-F5344CB8AC3E}">
-        <p14:creationId xmlns:p14="http://schemas.microsoft.com/office/powerpoint/2010/main" val="3875022094"/>
-      </p:ext>
-    </p:extLst>
-  </p:cSld>
-  <p:clrMapOvr>
-    <a:masterClrMapping/>
-  </p:clrMapOvr>
-</p:sld>
-</file>
-
-<file path=ppt/slides/slide19.xml><?xml version="1.0" encoding="utf-8"?>
-<p:sld xmlns:a="http://schemas.openxmlformats.org/drawingml/2006/main" xmlns:r="http://schemas.openxmlformats.org/officeDocument/2006/relationships" xmlns:p="http://schemas.openxmlformats.org/presentationml/2006/main">
-  <p:cSld>
-    <p:spTree>
-      <p:nvGrpSpPr>
-        <p:cNvPr id="1" name=""/>
-        <p:cNvGrpSpPr/>
-        <p:nvPr/>
-      </p:nvGrpSpPr>
-      <p:grpSpPr>
-        <a:xfrm>
-          <a:off x="0" y="0"/>
-          <a:ext cx="0" cy="0"/>
-          <a:chOff x="0" y="0"/>
-          <a:chExt cx="0" cy="0"/>
-        </a:xfrm>
-      </p:grpSpPr>
-      <p:sp>
-        <p:nvSpPr>
-          <p:cNvPr id="8" name="Title 7">
-            <a:extLst>
-              <a:ext uri="{FF2B5EF4-FFF2-40B4-BE49-F238E27FC236}">
-                <a16:creationId xmlns:a16="http://schemas.microsoft.com/office/drawing/2014/main" id="{9B282789-4F8B-D647-09EB-50D8FF6877D0}"/>
-              </a:ext>
-            </a:extLst>
-          </p:cNvPr>
-          <p:cNvSpPr>
-            <a:spLocks noGrp="1"/>
-          </p:cNvSpPr>
-          <p:nvPr>
-            <p:ph type="title"/>
-          </p:nvPr>
-        </p:nvSpPr>
-        <p:spPr>
-          <a:xfrm>
-            <a:off x="2487166" y="135402"/>
-            <a:ext cx="5750171" cy="1492230"/>
-          </a:xfrm>
-        </p:spPr>
-        <p:txBody>
-          <a:bodyPr/>
-          <a:lstStyle/>
-          <a:p>
-            <a:r>
-              <a:rPr lang="en-US" dirty="0"/>
-              <a:t>Next steps</a:t>
-            </a:r>
-          </a:p>
-        </p:txBody>
-      </p:sp>
-      <p:pic>
-        <p:nvPicPr>
-          <p:cNvPr id="6" name="Picture Placeholder 4" descr="Green lights in the sky">
-            <a:extLst>
-              <a:ext uri="{FF2B5EF4-FFF2-40B4-BE49-F238E27FC236}">
-                <a16:creationId xmlns:a16="http://schemas.microsoft.com/office/drawing/2014/main" id="{2EBC5878-1007-0F8E-3940-DE9D1D088BC7}"/>
-              </a:ext>
-            </a:extLst>
-          </p:cNvPr>
-          <p:cNvPicPr>
-            <a:picLocks noGrp="1" noChangeAspect="1"/>
-          </p:cNvPicPr>
-          <p:nvPr>
-            <p:ph type="pic" sz="quarter" idx="13"/>
-          </p:nvPr>
-        </p:nvPicPr>
-        <p:blipFill>
-          <a:blip r:embed="rId3"/>
-          <a:srcRect l="28995" r="28995"/>
-          <a:stretch/>
-        </p:blipFill>
-        <p:spPr/>
-      </p:pic>
-      <p:sp>
-        <p:nvSpPr>
-          <p:cNvPr id="4" name="Slide Number Placeholder 3">
-            <a:extLst>
-              <a:ext uri="{FF2B5EF4-FFF2-40B4-BE49-F238E27FC236}">
-                <a16:creationId xmlns:a16="http://schemas.microsoft.com/office/drawing/2014/main" id="{258ECD88-7563-0E2D-38D6-262477CFE5A5}"/>
-              </a:ext>
-            </a:extLst>
-          </p:cNvPr>
-          <p:cNvSpPr>
-            <a:spLocks noGrp="1"/>
-          </p:cNvSpPr>
-          <p:nvPr>
-            <p:ph type="sldNum" sz="quarter" idx="4"/>
-          </p:nvPr>
-        </p:nvSpPr>
-        <p:spPr/>
-        <p:txBody>
-          <a:bodyPr/>
-          <a:lstStyle/>
-          <a:p>
-            <a:fld id="{08AB70BE-1769-45B8-85A6-0C837432C7E6}" type="slidenum">
-              <a:rPr lang="en-US" smtClean="0"/>
-              <a:pPr/>
-              <a:t>19</a:t>
-            </a:fld>
-            <a:endParaRPr lang="en-US" dirty="0"/>
-          </a:p>
-        </p:txBody>
-      </p:sp>
-      <p:sp>
-        <p:nvSpPr>
-          <p:cNvPr id="3" name="Content Placeholder 3">
-            <a:extLst>
-              <a:ext uri="{FF2B5EF4-FFF2-40B4-BE49-F238E27FC236}">
-                <a16:creationId xmlns:a16="http://schemas.microsoft.com/office/drawing/2014/main" id="{EB0C69E8-CB26-8BF2-78DF-0471F8D61794}"/>
-              </a:ext>
-            </a:extLst>
-          </p:cNvPr>
-          <p:cNvSpPr txBox="1">
-            <a:spLocks/>
-          </p:cNvSpPr>
-          <p:nvPr/>
-        </p:nvSpPr>
-        <p:spPr>
-          <a:xfrm>
-            <a:off x="225552" y="1624265"/>
-            <a:ext cx="7845552" cy="3551238"/>
+            <a:off x="225552" y="1624264"/>
+            <a:ext cx="7652356" cy="4794823"/>
           </a:xfrm>
           <a:prstGeom prst="rect">
             <a:avLst/>
@@ -19143,22 +18750,400 @@
             </a:lvl9pPr>
           </a:lstStyle>
           <a:p>
-            <a:pPr marL="0" indent="0">
-              <a:buNone/>
-            </a:pPr>
             <a:r>
               <a:rPr lang="en-US" sz="2400" dirty="0">
                 <a:solidFill>
                   <a:schemeClr val="bg1"/>
                 </a:solidFill>
               </a:rPr>
-              <a:t>Further analysis on specific sub-genres or niche markets</a:t>
+              <a:t>Focus on popular movie genres with a high rating – Invest in genres that are consistently performing well at the box office(Documentaries, Action, Drama, Adventure, Comedy,)</a:t>
+            </a:r>
+          </a:p>
+          <a:p>
+            <a:r>
+              <a:rPr lang="en-US" sz="2400" dirty="0">
+                <a:solidFill>
+                  <a:schemeClr val="bg1"/>
+                </a:solidFill>
+              </a:rPr>
+              <a:t>Benchmark on studios that have a high domestic gross and foreign gross(BV, P\DW, WB, Uni,)- possibly collaborate in new movies with them.</a:t>
+            </a:r>
+          </a:p>
+          <a:p>
+            <a:r>
+              <a:rPr lang="en-US" sz="2400" dirty="0">
+                <a:solidFill>
+                  <a:schemeClr val="bg1"/>
+                </a:solidFill>
+              </a:rPr>
+              <a:t>Adapt to Trends: Monitor and adapt to changing genre trends to stay relevant.</a:t>
             </a:r>
           </a:p>
           <a:p>
             <a:pPr marL="0" indent="0">
               <a:buNone/>
             </a:pPr>
+            <a:endParaRPr lang="en-US" sz="2400" dirty="0">
+              <a:solidFill>
+                <a:schemeClr val="bg1"/>
+              </a:solidFill>
+            </a:endParaRPr>
+          </a:p>
+          <a:p>
+            <a:pPr marL="0" indent="0">
+              <a:buNone/>
+            </a:pPr>
+            <a:endParaRPr lang="en-US" sz="2400" dirty="0">
+              <a:solidFill>
+                <a:schemeClr val="bg1"/>
+              </a:solidFill>
+            </a:endParaRPr>
+          </a:p>
+          <a:p>
+            <a:pPr marL="0" indent="0">
+              <a:buNone/>
+            </a:pPr>
+            <a:endParaRPr lang="en-US" sz="2400" dirty="0">
+              <a:solidFill>
+                <a:schemeClr val="bg1"/>
+              </a:solidFill>
+            </a:endParaRPr>
+          </a:p>
+        </p:txBody>
+      </p:sp>
+    </p:spTree>
+    <p:extLst>
+      <p:ext uri="{BB962C8B-B14F-4D97-AF65-F5344CB8AC3E}">
+        <p14:creationId xmlns:p14="http://schemas.microsoft.com/office/powerpoint/2010/main" val="3875022094"/>
+      </p:ext>
+    </p:extLst>
+  </p:cSld>
+  <p:clrMapOvr>
+    <a:masterClrMapping/>
+  </p:clrMapOvr>
+</p:sld>
+</file>
+
+<file path=ppt/slides/slide19.xml><?xml version="1.0" encoding="utf-8"?>
+<p:sld xmlns:a="http://schemas.openxmlformats.org/drawingml/2006/main" xmlns:r="http://schemas.openxmlformats.org/officeDocument/2006/relationships" xmlns:p="http://schemas.openxmlformats.org/presentationml/2006/main">
+  <p:cSld>
+    <p:spTree>
+      <p:nvGrpSpPr>
+        <p:cNvPr id="1" name=""/>
+        <p:cNvGrpSpPr/>
+        <p:nvPr/>
+      </p:nvGrpSpPr>
+      <p:grpSpPr>
+        <a:xfrm>
+          <a:off x="0" y="0"/>
+          <a:ext cx="0" cy="0"/>
+          <a:chOff x="0" y="0"/>
+          <a:chExt cx="0" cy="0"/>
+        </a:xfrm>
+      </p:grpSpPr>
+      <p:sp>
+        <p:nvSpPr>
+          <p:cNvPr id="8" name="Title 7">
+            <a:extLst>
+              <a:ext uri="{FF2B5EF4-FFF2-40B4-BE49-F238E27FC236}">
+                <a16:creationId xmlns:a16="http://schemas.microsoft.com/office/drawing/2014/main" id="{9B282789-4F8B-D647-09EB-50D8FF6877D0}"/>
+              </a:ext>
+            </a:extLst>
+          </p:cNvPr>
+          <p:cNvSpPr>
+            <a:spLocks noGrp="1"/>
+          </p:cNvSpPr>
+          <p:nvPr>
+            <p:ph type="title"/>
+          </p:nvPr>
+        </p:nvSpPr>
+        <p:spPr>
+          <a:xfrm>
+            <a:off x="2487166" y="135402"/>
+            <a:ext cx="5750171" cy="1492230"/>
+          </a:xfrm>
+        </p:spPr>
+        <p:txBody>
+          <a:bodyPr/>
+          <a:lstStyle/>
+          <a:p>
+            <a:r>
+              <a:rPr lang="en-US" dirty="0"/>
+              <a:t>Next steps</a:t>
+            </a:r>
+          </a:p>
+        </p:txBody>
+      </p:sp>
+      <p:pic>
+        <p:nvPicPr>
+          <p:cNvPr id="6" name="Picture Placeholder 4" descr="Green lights in the sky">
+            <a:extLst>
+              <a:ext uri="{FF2B5EF4-FFF2-40B4-BE49-F238E27FC236}">
+                <a16:creationId xmlns:a16="http://schemas.microsoft.com/office/drawing/2014/main" id="{2EBC5878-1007-0F8E-3940-DE9D1D088BC7}"/>
+              </a:ext>
+            </a:extLst>
+          </p:cNvPr>
+          <p:cNvPicPr>
+            <a:picLocks noGrp="1" noChangeAspect="1"/>
+          </p:cNvPicPr>
+          <p:nvPr>
+            <p:ph type="pic" sz="quarter" idx="13"/>
+          </p:nvPr>
+        </p:nvPicPr>
+        <p:blipFill>
+          <a:blip r:embed="rId3"/>
+          <a:srcRect l="28995" r="28995"/>
+          <a:stretch/>
+        </p:blipFill>
+        <p:spPr/>
+      </p:pic>
+      <p:sp>
+        <p:nvSpPr>
+          <p:cNvPr id="4" name="Slide Number Placeholder 3">
+            <a:extLst>
+              <a:ext uri="{FF2B5EF4-FFF2-40B4-BE49-F238E27FC236}">
+                <a16:creationId xmlns:a16="http://schemas.microsoft.com/office/drawing/2014/main" id="{258ECD88-7563-0E2D-38D6-262477CFE5A5}"/>
+              </a:ext>
+            </a:extLst>
+          </p:cNvPr>
+          <p:cNvSpPr>
+            <a:spLocks noGrp="1"/>
+          </p:cNvSpPr>
+          <p:nvPr>
+            <p:ph type="sldNum" sz="quarter" idx="4"/>
+          </p:nvPr>
+        </p:nvSpPr>
+        <p:spPr/>
+        <p:txBody>
+          <a:bodyPr/>
+          <a:lstStyle/>
+          <a:p>
+            <a:fld id="{08AB70BE-1769-45B8-85A6-0C837432C7E6}" type="slidenum">
+              <a:rPr lang="en-US" smtClean="0"/>
+              <a:pPr/>
+              <a:t>19</a:t>
+            </a:fld>
+            <a:endParaRPr lang="en-US" dirty="0"/>
+          </a:p>
+        </p:txBody>
+      </p:sp>
+      <p:sp>
+        <p:nvSpPr>
+          <p:cNvPr id="3" name="Content Placeholder 3">
+            <a:extLst>
+              <a:ext uri="{FF2B5EF4-FFF2-40B4-BE49-F238E27FC236}">
+                <a16:creationId xmlns:a16="http://schemas.microsoft.com/office/drawing/2014/main" id="{EB0C69E8-CB26-8BF2-78DF-0471F8D61794}"/>
+              </a:ext>
+            </a:extLst>
+          </p:cNvPr>
+          <p:cNvSpPr txBox="1">
+            <a:spLocks/>
+          </p:cNvSpPr>
+          <p:nvPr/>
+        </p:nvSpPr>
+        <p:spPr>
+          <a:xfrm>
+            <a:off x="225552" y="1624265"/>
+            <a:ext cx="7845552" cy="3551238"/>
+          </a:xfrm>
+          <a:prstGeom prst="rect">
+            <a:avLst/>
+          </a:prstGeom>
+        </p:spPr>
+        <p:txBody>
+          <a:bodyPr>
+            <a:normAutofit/>
+          </a:bodyPr>
+          <a:lstStyle>
+            <a:lvl1pPr marL="228600" indent="-228600" algn="l" defTabSz="914400" rtl="0" eaLnBrk="1" latinLnBrk="0" hangingPunct="1">
+              <a:lnSpc>
+                <a:spcPct val="120000"/>
+              </a:lnSpc>
+              <a:spcBef>
+                <a:spcPts val="1000"/>
+              </a:spcBef>
+              <a:buClr>
+                <a:schemeClr val="accent5"/>
+              </a:buClr>
+              <a:buFont typeface="Arial" panose="020B0604020202020204" pitchFamily="34" charset="0"/>
+              <a:buChar char="•"/>
+              <a:defRPr sz="2000" kern="1200">
+                <a:solidFill>
+                  <a:schemeClr val="tx2"/>
+                </a:solidFill>
+                <a:latin typeface="+mn-lt"/>
+                <a:ea typeface="+mn-ea"/>
+                <a:cs typeface="+mn-cs"/>
+              </a:defRPr>
+            </a:lvl1pPr>
+            <a:lvl2pPr marL="685800" indent="-228600" algn="l" defTabSz="914400" rtl="0" eaLnBrk="1" latinLnBrk="0" hangingPunct="1">
+              <a:lnSpc>
+                <a:spcPct val="120000"/>
+              </a:lnSpc>
+              <a:spcBef>
+                <a:spcPts val="500"/>
+              </a:spcBef>
+              <a:buClr>
+                <a:schemeClr val="accent5"/>
+              </a:buClr>
+              <a:buFont typeface="Arial" panose="020B0604020202020204" pitchFamily="34" charset="0"/>
+              <a:buChar char="•"/>
+              <a:defRPr sz="1800" kern="1200">
+                <a:solidFill>
+                  <a:schemeClr val="tx2"/>
+                </a:solidFill>
+                <a:latin typeface="+mn-lt"/>
+                <a:ea typeface="+mn-ea"/>
+                <a:cs typeface="+mn-cs"/>
+              </a:defRPr>
+            </a:lvl2pPr>
+            <a:lvl3pPr marL="1143000" indent="-228600" algn="l" defTabSz="914400" rtl="0" eaLnBrk="1" latinLnBrk="0" hangingPunct="1">
+              <a:lnSpc>
+                <a:spcPct val="120000"/>
+              </a:lnSpc>
+              <a:spcBef>
+                <a:spcPts val="500"/>
+              </a:spcBef>
+              <a:buClr>
+                <a:schemeClr val="accent5"/>
+              </a:buClr>
+              <a:buFont typeface="Arial" panose="020B0604020202020204" pitchFamily="34" charset="0"/>
+              <a:buChar char="•"/>
+              <a:defRPr sz="1600" kern="1200">
+                <a:solidFill>
+                  <a:schemeClr val="tx2"/>
+                </a:solidFill>
+                <a:latin typeface="+mn-lt"/>
+                <a:ea typeface="+mn-ea"/>
+                <a:cs typeface="+mn-cs"/>
+              </a:defRPr>
+            </a:lvl3pPr>
+            <a:lvl4pPr marL="1600200" indent="-228600" algn="l" defTabSz="914400" rtl="0" eaLnBrk="1" latinLnBrk="0" hangingPunct="1">
+              <a:lnSpc>
+                <a:spcPct val="120000"/>
+              </a:lnSpc>
+              <a:spcBef>
+                <a:spcPts val="500"/>
+              </a:spcBef>
+              <a:buClr>
+                <a:schemeClr val="accent5"/>
+              </a:buClr>
+              <a:buFont typeface="Arial" panose="020B0604020202020204" pitchFamily="34" charset="0"/>
+              <a:buChar char="•"/>
+              <a:defRPr sz="1400" kern="1200">
+                <a:solidFill>
+                  <a:schemeClr val="tx2"/>
+                </a:solidFill>
+                <a:latin typeface="+mn-lt"/>
+                <a:ea typeface="+mn-ea"/>
+                <a:cs typeface="+mn-cs"/>
+              </a:defRPr>
+            </a:lvl4pPr>
+            <a:lvl5pPr marL="2057400" indent="-228600" algn="l" defTabSz="914400" rtl="0" eaLnBrk="1" latinLnBrk="0" hangingPunct="1">
+              <a:lnSpc>
+                <a:spcPct val="120000"/>
+              </a:lnSpc>
+              <a:spcBef>
+                <a:spcPts val="500"/>
+              </a:spcBef>
+              <a:buClr>
+                <a:schemeClr val="accent5"/>
+              </a:buClr>
+              <a:buFont typeface="Arial" panose="020B0604020202020204" pitchFamily="34" charset="0"/>
+              <a:buChar char="•"/>
+              <a:defRPr sz="1400" kern="1200">
+                <a:solidFill>
+                  <a:schemeClr val="tx2"/>
+                </a:solidFill>
+                <a:latin typeface="+mn-lt"/>
+                <a:ea typeface="+mn-ea"/>
+                <a:cs typeface="+mn-cs"/>
+              </a:defRPr>
+            </a:lvl5pPr>
+            <a:lvl6pPr marL="2514600" indent="-228600" algn="l" defTabSz="914400" rtl="0" eaLnBrk="1" latinLnBrk="0" hangingPunct="1">
+              <a:lnSpc>
+                <a:spcPct val="90000"/>
+              </a:lnSpc>
+              <a:spcBef>
+                <a:spcPts val="500"/>
+              </a:spcBef>
+              <a:buFont typeface="Arial" panose="020B0604020202020204" pitchFamily="34" charset="0"/>
+              <a:buChar char="•"/>
+              <a:defRPr sz="1800" kern="1200">
+                <a:solidFill>
+                  <a:schemeClr val="tx1"/>
+                </a:solidFill>
+                <a:latin typeface="+mn-lt"/>
+                <a:ea typeface="+mn-ea"/>
+                <a:cs typeface="+mn-cs"/>
+              </a:defRPr>
+            </a:lvl6pPr>
+            <a:lvl7pPr marL="2971800" indent="-228600" algn="l" defTabSz="914400" rtl="0" eaLnBrk="1" latinLnBrk="0" hangingPunct="1">
+              <a:lnSpc>
+                <a:spcPct val="90000"/>
+              </a:lnSpc>
+              <a:spcBef>
+                <a:spcPts val="500"/>
+              </a:spcBef>
+              <a:buFont typeface="Arial" panose="020B0604020202020204" pitchFamily="34" charset="0"/>
+              <a:buChar char="•"/>
+              <a:defRPr sz="1800" kern="1200">
+                <a:solidFill>
+                  <a:schemeClr val="tx1"/>
+                </a:solidFill>
+                <a:latin typeface="+mn-lt"/>
+                <a:ea typeface="+mn-ea"/>
+                <a:cs typeface="+mn-cs"/>
+              </a:defRPr>
+            </a:lvl7pPr>
+            <a:lvl8pPr marL="3429000" indent="-228600" algn="l" defTabSz="914400" rtl="0" eaLnBrk="1" latinLnBrk="0" hangingPunct="1">
+              <a:lnSpc>
+                <a:spcPct val="90000"/>
+              </a:lnSpc>
+              <a:spcBef>
+                <a:spcPts val="500"/>
+              </a:spcBef>
+              <a:buFont typeface="Arial" panose="020B0604020202020204" pitchFamily="34" charset="0"/>
+              <a:buChar char="•"/>
+              <a:defRPr sz="1800" kern="1200">
+                <a:solidFill>
+                  <a:schemeClr val="tx1"/>
+                </a:solidFill>
+                <a:latin typeface="+mn-lt"/>
+                <a:ea typeface="+mn-ea"/>
+                <a:cs typeface="+mn-cs"/>
+              </a:defRPr>
+            </a:lvl8pPr>
+            <a:lvl9pPr marL="3886200" indent="-228600" algn="l" defTabSz="914400" rtl="0" eaLnBrk="1" latinLnBrk="0" hangingPunct="1">
+              <a:lnSpc>
+                <a:spcPct val="90000"/>
+              </a:lnSpc>
+              <a:spcBef>
+                <a:spcPts val="500"/>
+              </a:spcBef>
+              <a:buFont typeface="Arial" panose="020B0604020202020204" pitchFamily="34" charset="0"/>
+              <a:buChar char="•"/>
+              <a:defRPr sz="1800" kern="1200">
+                <a:solidFill>
+                  <a:schemeClr val="tx1"/>
+                </a:solidFill>
+                <a:latin typeface="+mn-lt"/>
+                <a:ea typeface="+mn-ea"/>
+                <a:cs typeface="+mn-cs"/>
+              </a:defRPr>
+            </a:lvl9pPr>
+          </a:lstStyle>
+          <a:p>
+            <a:r>
+              <a:rPr lang="en-US" sz="2400" dirty="0">
+                <a:solidFill>
+                  <a:schemeClr val="bg1"/>
+                </a:solidFill>
+              </a:rPr>
+              <a:t>Further analysis of specific sub-genres or niche markets</a:t>
+            </a:r>
+          </a:p>
+          <a:p>
             <a:r>
               <a:rPr lang="en-US" sz="2400" dirty="0">
                 <a:solidFill>
@@ -19169,9 +19154,6 @@
             </a:r>
           </a:p>
           <a:p>
-            <a:pPr marL="0" indent="0">
-              <a:buNone/>
-            </a:pPr>
             <a:r>
               <a:rPr lang="en-US" sz="2400" dirty="0">
                 <a:solidFill>
@@ -19284,14 +19266,14 @@
             <p:ph sz="quarter" idx="10"/>
             <p:extLst>
               <p:ext uri="{D42A27DB-BD31-4B8C-83A1-F6EECF244321}">
-                <p14:modId xmlns:p14="http://schemas.microsoft.com/office/powerpoint/2010/main" val="617955638"/>
+                <p14:modId xmlns:p14="http://schemas.microsoft.com/office/powerpoint/2010/main" val="1425466394"/>
               </p:ext>
             </p:extLst>
           </p:nvPr>
         </p:nvGraphicFramePr>
         <p:xfrm>
-          <a:off x="3950208" y="347471"/>
-          <a:ext cx="7845552" cy="3547874"/>
+          <a:off x="3950208" y="347470"/>
+          <a:ext cx="7845552" cy="3767329"/>
         </p:xfrm>
         <a:graphic>
           <a:graphicData uri="http://schemas.openxmlformats.org/drawingml/2006/diagram">
@@ -19343,8 +19325,8 @@
         </p:nvSpPr>
         <p:spPr>
           <a:xfrm>
-            <a:off x="3895344" y="3895345"/>
-            <a:ext cx="7900416" cy="1846659"/>
+            <a:off x="3895344" y="4114800"/>
+            <a:ext cx="7845552" cy="1846659"/>
           </a:xfrm>
           <a:prstGeom prst="rect">
             <a:avLst/>
@@ -20234,6 +20216,82 @@
               <a:t>20</a:t>
             </a:fld>
             <a:endParaRPr lang="en-US" sz="1900"/>
+          </a:p>
+        </p:txBody>
+      </p:sp>
+      <p:sp>
+        <p:nvSpPr>
+          <p:cNvPr id="5" name="TextBox 4">
+            <a:extLst>
+              <a:ext uri="{FF2B5EF4-FFF2-40B4-BE49-F238E27FC236}">
+                <a16:creationId xmlns:a16="http://schemas.microsoft.com/office/drawing/2014/main" id="{54B517EC-A663-2078-6532-B1CB4B032077}"/>
+              </a:ext>
+            </a:extLst>
+          </p:cNvPr>
+          <p:cNvSpPr txBox="1"/>
+          <p:nvPr/>
+        </p:nvSpPr>
+        <p:spPr>
+          <a:xfrm>
+            <a:off x="4535424" y="2340864"/>
+            <a:ext cx="6855728" cy="4401205"/>
+          </a:xfrm>
+          <a:prstGeom prst="rect">
+            <a:avLst/>
+          </a:prstGeom>
+          <a:noFill/>
+        </p:spPr>
+        <p:txBody>
+          <a:bodyPr wrap="square" rtlCol="0">
+            <a:spAutoFit/>
+          </a:bodyPr>
+          <a:lstStyle/>
+          <a:p>
+            <a:pPr marL="457200" indent="-457200">
+              <a:buFont typeface="Arial" panose="020B0604020202020204" pitchFamily="34" charset="0"/>
+              <a:buChar char="•"/>
+            </a:pPr>
+            <a:r>
+              <a:rPr lang="en-US" sz="2800" dirty="0">
+                <a:solidFill>
+                  <a:srgbClr val="FFFFFF"/>
+                </a:solidFill>
+              </a:rPr>
+              <a:t>In conclusion, this venture stands out to be a wise business proposition, as the revenue to be drawn from this is promising in both the domestic and gross numbers. </a:t>
+            </a:r>
+          </a:p>
+          <a:p>
+            <a:pPr marL="457200" indent="-457200">
+              <a:buFont typeface="Arial" panose="020B0604020202020204" pitchFamily="34" charset="0"/>
+              <a:buChar char="•"/>
+            </a:pPr>
+            <a:r>
+              <a:rPr lang="en-US" sz="2800" dirty="0">
+                <a:solidFill>
+                  <a:srgbClr val="FFFFFF"/>
+                </a:solidFill>
+              </a:rPr>
+              <a:t>Focus on the recommended  movie genres, documentaries, action and comedy</a:t>
+            </a:r>
+          </a:p>
+          <a:p>
+            <a:pPr marL="457200" indent="-457200">
+              <a:buFont typeface="Arial" panose="020B0604020202020204" pitchFamily="34" charset="0"/>
+              <a:buChar char="•"/>
+            </a:pPr>
+            <a:r>
+              <a:rPr lang="en-US" sz="2800" dirty="0">
+                <a:solidFill>
+                  <a:srgbClr val="FFFFFF"/>
+                </a:solidFill>
+              </a:rPr>
+              <a:t> Collaborate with current leading studios for pilots.</a:t>
+            </a:r>
+            <a:endParaRPr lang="en-KE" sz="2800" dirty="0">
+              <a:solidFill>
+                <a:srgbClr val="FFFFFF"/>
+              </a:solidFill>
+            </a:endParaRPr>
           </a:p>
         </p:txBody>
       </p:sp>
@@ -20939,7 +20997,7 @@
                   <a:schemeClr val="bg2"/>
                 </a:solidFill>
               </a:rPr>
-              <a:t>Keziah Gicheha</a:t>
+              <a:t>Presenter : Keziah Gicheha</a:t>
             </a:r>
           </a:p>
           <a:p>
@@ -25195,15 +25253,6 @@
 </file>
 
 <file path=customXml/item1.xml><?xml version="1.0" encoding="utf-8"?>
-<?mso-contentType ?>
-<FormTemplates xmlns="http://schemas.microsoft.com/sharepoint/v3/contenttype/forms">
-  <Display>DocumentLibraryForm</Display>
-  <Edit>DocumentLibraryForm</Edit>
-  <New>DocumentLibraryForm</New>
-</FormTemplates>
-</file>
-
-<file path=customXml/item2.xml><?xml version="1.0" encoding="utf-8"?>
 <p:properties xmlns:p="http://schemas.microsoft.com/office/2006/metadata/properties" xmlns:xsi="http://www.w3.org/2001/XMLSchema-instance" xmlns:pc="http://schemas.microsoft.com/office/infopath/2007/PartnerControls">
   <documentManagement>
     <Background xmlns="71af3243-3dd4-4a8d-8c0d-dd76da1f02a5">false</Background>
@@ -25221,6 +25270,15 @@
     <MediaServiceKeyPoints xmlns="71af3243-3dd4-4a8d-8c0d-dd76da1f02a5" xsi:nil="true"/>
   </documentManagement>
 </p:properties>
+</file>
+
+<file path=customXml/item2.xml><?xml version="1.0" encoding="utf-8"?>
+<?mso-contentType ?>
+<FormTemplates xmlns="http://schemas.microsoft.com/sharepoint/v3/contenttype/forms">
+  <Display>DocumentLibraryForm</Display>
+  <Edit>DocumentLibraryForm</Edit>
+  <New>DocumentLibraryForm</New>
+</FormTemplates>
 </file>
 
 <file path=customXml/item3.xml><?xml version="1.0" encoding="utf-8"?>
@@ -25536,14 +25594,6 @@
 </file>
 
 <file path=customXml/itemProps1.xml><?xml version="1.0" encoding="utf-8"?>
-<ds:datastoreItem xmlns:ds="http://schemas.openxmlformats.org/officeDocument/2006/customXml" ds:itemID="{4C5C2001-E626-4890-B405-22B5BD1CB05A}">
-  <ds:schemaRefs>
-    <ds:schemaRef ds:uri="http://schemas.microsoft.com/sharepoint/v3/contenttype/forms"/>
-  </ds:schemaRefs>
-</ds:datastoreItem>
-</file>
-
-<file path=customXml/itemProps2.xml><?xml version="1.0" encoding="utf-8"?>
 <ds:datastoreItem xmlns:ds="http://schemas.openxmlformats.org/officeDocument/2006/customXml" ds:itemID="{80D7C3E5-1734-4636-9EC5-AEB06BF1FB20}">
   <ds:schemaRefs>
     <ds:schemaRef ds:uri="http://schemas.microsoft.com/office/2006/metadata/properties"/>
@@ -25551,6 +25601,14 @@
     <ds:schemaRef ds:uri="71af3243-3dd4-4a8d-8c0d-dd76da1f02a5"/>
     <ds:schemaRef ds:uri="http://schemas.microsoft.com/sharepoint/v3"/>
     <ds:schemaRef ds:uri="230e9df3-be65-4c73-a93b-d1236ebd677e"/>
+  </ds:schemaRefs>
+</ds:datastoreItem>
+</file>
+
+<file path=customXml/itemProps2.xml><?xml version="1.0" encoding="utf-8"?>
+<ds:datastoreItem xmlns:ds="http://schemas.openxmlformats.org/officeDocument/2006/customXml" ds:itemID="{4C5C2001-E626-4890-B405-22B5BD1CB05A}">
+  <ds:schemaRefs>
+    <ds:schemaRef ds:uri="http://schemas.microsoft.com/sharepoint/v3/contenttype/forms"/>
   </ds:schemaRefs>
 </ds:datastoreItem>
 </file>

--- a/Presentation.pptx
+++ b/Presentation.pptx
@@ -15235,7 +15235,7 @@
                   </a:schemeClr>
                 </a:solidFill>
               </a:rPr>
-              <a:t>Insights for Creating Successful Films</a:t>
+              <a:t>Insights for Creating Successful Movies</a:t>
             </a:r>
           </a:p>
           <a:p>
@@ -20257,7 +20257,7 @@
                   <a:srgbClr val="FFFFFF"/>
                 </a:solidFill>
               </a:rPr>
-              <a:t>In conclusion, this venture stands out to be a wise business proposition, as the revenue to be drawn from this is promising in both the domestic and gross numbers. </a:t>
+              <a:t>In conclusion, this venture stands out to be a wise business venture, as the revenue to be drawn from this is promising in both the domestic and gross numbers. </a:t>
             </a:r>
           </a:p>
           <a:p>
@@ -20285,7 +20285,7 @@
                   <a:srgbClr val="FFFFFF"/>
                 </a:solidFill>
               </a:rPr>
-              <a:t> Collaborate with current leading studios for pilots.</a:t>
+              <a:t>Collaborate with current leading studios for pilots.</a:t>
             </a:r>
             <a:endParaRPr lang="en-KE" sz="2800" dirty="0">
               <a:solidFill>
@@ -22250,7 +22250,7 @@
                 </a:highlight>
                 <a:latin typeface="ui-sans-serif"/>
               </a:rPr>
-              <a:t>As *y  rule of thumb, the columns with missing values that are less than 5%, and the rows with the missing values will be dropped, as this will not significantly impact the analysis.</a:t>
+              <a:t>As my rule of thumb, the columns with missing values that are less than 5%, and the rows with the missing values will be dropped, as this will not significantly impact the analysis.</a:t>
             </a:r>
           </a:p>
           <a:p>
@@ -22278,7 +22278,7 @@
                 </a:highlight>
                 <a:latin typeface="ui-sans-serif"/>
               </a:rPr>
-              <a:t>The mean was used in case there were outliers in both datasets to prevent skewness </a:t>
+              <a:t>The median was used, in this case, there were outliers in both datasets - to prevent skewness </a:t>
             </a:r>
           </a:p>
           <a:p>

--- a/Presentation.pptx
+++ b/Presentation.pptx
@@ -25596,11 +25596,18 @@
 <file path=customXml/itemProps1.xml><?xml version="1.0" encoding="utf-8"?>
 <ds:datastoreItem xmlns:ds="http://schemas.openxmlformats.org/officeDocument/2006/customXml" ds:itemID="{80D7C3E5-1734-4636-9EC5-AEB06BF1FB20}">
   <ds:schemaRefs>
+    <ds:schemaRef ds:uri="230e9df3-be65-4c73-a93b-d1236ebd677e"/>
+    <ds:schemaRef ds:uri="http://purl.org/dc/terms/"/>
+    <ds:schemaRef ds:uri="http://schemas.openxmlformats.org/package/2006/metadata/core-properties"/>
+    <ds:schemaRef ds:uri="http://schemas.microsoft.com/office/2006/documentManagement/types"/>
+    <ds:schemaRef ds:uri="http://purl.org/dc/dcmitype/"/>
+    <ds:schemaRef ds:uri="http://schemas.microsoft.com/office/infopath/2007/PartnerControls"/>
+    <ds:schemaRef ds:uri="http://purl.org/dc/elements/1.1/"/>
     <ds:schemaRef ds:uri="http://schemas.microsoft.com/office/2006/metadata/properties"/>
-    <ds:schemaRef ds:uri="http://schemas.microsoft.com/office/infopath/2007/PartnerControls"/>
+    <ds:schemaRef ds:uri="http://schemas.microsoft.com/sharepoint/v3"/>
+    <ds:schemaRef ds:uri="16c05727-aa75-4e4a-9b5f-8a80a1165891"/>
     <ds:schemaRef ds:uri="71af3243-3dd4-4a8d-8c0d-dd76da1f02a5"/>
-    <ds:schemaRef ds:uri="http://schemas.microsoft.com/sharepoint/v3"/>
-    <ds:schemaRef ds:uri="230e9df3-be65-4c73-a93b-d1236ebd677e"/>
+    <ds:schemaRef ds:uri="http://www.w3.org/XML/1998/namespace"/>
   </ds:schemaRefs>
 </ds:datastoreItem>
 </file>
